--- a/city project/Urban jump.pptx
+++ b/city project/Urban jump.pptx
@@ -107,6 +107,11 @@
       </a:defRPr>
     </a:lvl9pPr>
   </p:defaultTextStyle>
+  <p:extLst>
+    <p:ext uri="{EFAFB233-063F-42B5-8137-9DF3F51BA10A}">
+      <p15:sldGuideLst xmlns:p15="http://schemas.microsoft.com/office/powerpoint/2012/main"/>
+    </p:ext>
+  </p:extLst>
 </p:presentation>
 </file>
 
@@ -302,7 +307,7 @@
             <a:fld id="{B61BEF0D-F0BB-DE4B-95CE-6DB70DBA9567}" type="datetimeFigureOut">
               <a:rPr lang="en-US" dirty="0"/>
               <a:pPr/>
-              <a:t>1/31/2019</a:t>
+              <a:t>2/3/2019</a:t>
             </a:fld>
             <a:endParaRPr lang="en-US" dirty="0"/>
           </a:p>
@@ -735,7 +740,7 @@
             <a:fld id="{B61BEF0D-F0BB-DE4B-95CE-6DB70DBA9567}" type="datetimeFigureOut">
               <a:rPr lang="en-US" dirty="0"/>
               <a:pPr/>
-              <a:t>1/31/2019</a:t>
+              <a:t>2/3/2019</a:t>
             </a:fld>
             <a:endParaRPr lang="en-US" dirty="0"/>
           </a:p>
@@ -982,7 +987,7 @@
             <a:fld id="{B61BEF0D-F0BB-DE4B-95CE-6DB70DBA9567}" type="datetimeFigureOut">
               <a:rPr lang="en-US" dirty="0"/>
               <a:pPr/>
-              <a:t>1/31/2019</a:t>
+              <a:t>2/3/2019</a:t>
             </a:fld>
             <a:endParaRPr lang="en-US" dirty="0"/>
           </a:p>
@@ -1287,7 +1292,7 @@
             <a:fld id="{B61BEF0D-F0BB-DE4B-95CE-6DB70DBA9567}" type="datetimeFigureOut">
               <a:rPr lang="en-US" dirty="0"/>
               <a:pPr/>
-              <a:t>1/31/2019</a:t>
+              <a:t>2/3/2019</a:t>
             </a:fld>
             <a:endParaRPr lang="en-US" dirty="0"/>
           </a:p>
@@ -1602,7 +1607,7 @@
             <a:fld id="{B61BEF0D-F0BB-DE4B-95CE-6DB70DBA9567}" type="datetimeFigureOut">
               <a:rPr lang="en-US" dirty="0"/>
               <a:pPr/>
-              <a:t>1/31/2019</a:t>
+              <a:t>2/3/2019</a:t>
             </a:fld>
             <a:endParaRPr lang="en-US" dirty="0"/>
           </a:p>
@@ -1901,7 +1906,7 @@
             <a:fld id="{B61BEF0D-F0BB-DE4B-95CE-6DB70DBA9567}" type="datetimeFigureOut">
               <a:rPr lang="en-US" dirty="0"/>
               <a:pPr/>
-              <a:t>1/31/2019</a:t>
+              <a:t>2/3/2019</a:t>
             </a:fld>
             <a:endParaRPr lang="en-US" dirty="0"/>
           </a:p>
@@ -2265,7 +2270,7 @@
             <a:fld id="{B61BEF0D-F0BB-DE4B-95CE-6DB70DBA9567}" type="datetimeFigureOut">
               <a:rPr lang="en-US" dirty="0"/>
               <a:pPr/>
-              <a:t>1/31/2019</a:t>
+              <a:t>2/3/2019</a:t>
             </a:fld>
             <a:endParaRPr lang="en-US" dirty="0"/>
           </a:p>
@@ -2436,7 +2441,7 @@
             <a:fld id="{B61BEF0D-F0BB-DE4B-95CE-6DB70DBA9567}" type="datetimeFigureOut">
               <a:rPr lang="en-US" dirty="0"/>
               <a:pPr/>
-              <a:t>1/31/2019</a:t>
+              <a:t>2/3/2019</a:t>
             </a:fld>
             <a:endParaRPr lang="en-US" dirty="0"/>
           </a:p>
@@ -2613,7 +2618,7 @@
             <a:fld id="{B61BEF0D-F0BB-DE4B-95CE-6DB70DBA9567}" type="datetimeFigureOut">
               <a:rPr lang="en-US" dirty="0"/>
               <a:pPr/>
-              <a:t>1/31/2019</a:t>
+              <a:t>2/3/2019</a:t>
             </a:fld>
             <a:endParaRPr lang="en-US" dirty="0"/>
           </a:p>
@@ -2780,7 +2785,7 @@
             <a:fld id="{B61BEF0D-F0BB-DE4B-95CE-6DB70DBA9567}" type="datetimeFigureOut">
               <a:rPr lang="en-US" dirty="0"/>
               <a:pPr/>
-              <a:t>1/31/2019</a:t>
+              <a:t>2/3/2019</a:t>
             </a:fld>
             <a:endParaRPr lang="en-US" dirty="0"/>
           </a:p>
@@ -3027,7 +3032,7 @@
             <a:fld id="{B61BEF0D-F0BB-DE4B-95CE-6DB70DBA9567}" type="datetimeFigureOut">
               <a:rPr lang="en-US" dirty="0"/>
               <a:pPr/>
-              <a:t>1/31/2019</a:t>
+              <a:t>2/3/2019</a:t>
             </a:fld>
             <a:endParaRPr lang="en-US" dirty="0"/>
           </a:p>
@@ -3260,7 +3265,7 @@
             <a:fld id="{B61BEF0D-F0BB-DE4B-95CE-6DB70DBA9567}" type="datetimeFigureOut">
               <a:rPr lang="en-US" dirty="0"/>
               <a:pPr/>
-              <a:t>1/31/2019</a:t>
+              <a:t>2/3/2019</a:t>
             </a:fld>
             <a:endParaRPr lang="en-US" dirty="0"/>
           </a:p>
@@ -3639,7 +3644,7 @@
             <a:fld id="{B61BEF0D-F0BB-DE4B-95CE-6DB70DBA9567}" type="datetimeFigureOut">
               <a:rPr lang="en-US" dirty="0"/>
               <a:pPr/>
-              <a:t>1/31/2019</a:t>
+              <a:t>2/3/2019</a:t>
             </a:fld>
             <a:endParaRPr lang="en-US" dirty="0"/>
           </a:p>
@@ -3754,7 +3759,7 @@
             <a:fld id="{B61BEF0D-F0BB-DE4B-95CE-6DB70DBA9567}" type="datetimeFigureOut">
               <a:rPr lang="en-US" dirty="0"/>
               <a:pPr/>
-              <a:t>1/31/2019</a:t>
+              <a:t>2/3/2019</a:t>
             </a:fld>
             <a:endParaRPr lang="en-US" dirty="0"/>
           </a:p>
@@ -3846,7 +3851,7 @@
             <a:fld id="{B61BEF0D-F0BB-DE4B-95CE-6DB70DBA9567}" type="datetimeFigureOut">
               <a:rPr lang="en-US" dirty="0"/>
               <a:pPr/>
-              <a:t>1/31/2019</a:t>
+              <a:t>2/3/2019</a:t>
             </a:fld>
             <a:endParaRPr lang="en-US" dirty="0"/>
           </a:p>
@@ -4098,7 +4103,7 @@
             <a:fld id="{B61BEF0D-F0BB-DE4B-95CE-6DB70DBA9567}" type="datetimeFigureOut">
               <a:rPr lang="en-US" dirty="0"/>
               <a:pPr/>
-              <a:t>1/31/2019</a:t>
+              <a:t>2/3/2019</a:t>
             </a:fld>
             <a:endParaRPr lang="en-US" dirty="0"/>
           </a:p>
@@ -4378,7 +4383,7 @@
             <a:fld id="{B61BEF0D-F0BB-DE4B-95CE-6DB70DBA9567}" type="datetimeFigureOut">
               <a:rPr lang="en-US" dirty="0"/>
               <a:pPr/>
-              <a:t>1/31/2019</a:t>
+              <a:t>2/3/2019</a:t>
             </a:fld>
             <a:endParaRPr lang="en-US" dirty="0"/>
           </a:p>
@@ -4781,7 +4786,7 @@
             <a:fld id="{B61BEF0D-F0BB-DE4B-95CE-6DB70DBA9567}" type="datetimeFigureOut">
               <a:rPr lang="en-US" dirty="0"/>
               <a:pPr/>
-              <a:t>1/31/2019</a:t>
+              <a:t>2/3/2019</a:t>
             </a:fld>
             <a:endParaRPr lang="en-US" dirty="0"/>
           </a:p>
